--- a/Docs/CreateGithubPages.pptx
+++ b/Docs/CreateGithubPages.pptx
@@ -6,13 +6,11 @@
   </p:sldMasterIdLst>
   <p:sldIdLst>
     <p:sldId id="256" r:id="rId2"/>
-    <p:sldId id="257" r:id="rId3"/>
-    <p:sldId id="258" r:id="rId4"/>
-    <p:sldId id="259" r:id="rId5"/>
-    <p:sldId id="260" r:id="rId6"/>
-    <p:sldId id="261" r:id="rId7"/>
-    <p:sldId id="262" r:id="rId8"/>
-    <p:sldId id="263" r:id="rId9"/>
+    <p:sldId id="258" r:id="rId3"/>
+    <p:sldId id="259" r:id="rId4"/>
+    <p:sldId id="260" r:id="rId5"/>
+    <p:sldId id="261" r:id="rId6"/>
+    <p:sldId id="262" r:id="rId7"/>
   </p:sldIdLst>
   <p:sldSz cx="12192000" cy="6858000"/>
   <p:notesSz cx="6858000" cy="9144000"/>
@@ -3452,90 +3450,6 @@
           <p:cNvPr id="2" name="Title 1">
             <a:extLst>
               <a:ext uri="{FF2B5EF4-FFF2-40B4-BE49-F238E27FC236}">
-                <a16:creationId xmlns:a16="http://schemas.microsoft.com/office/drawing/2014/main" id="{E2BDFE8E-063F-166A-BFA9-4B401B248706}"/>
-              </a:ext>
-            </a:extLst>
-          </p:cNvPr>
-          <p:cNvSpPr>
-            <a:spLocks noGrp="1"/>
-          </p:cNvSpPr>
-          <p:nvPr>
-            <p:ph type="title"/>
-          </p:nvPr>
-        </p:nvSpPr>
-        <p:spPr/>
-        <p:txBody>
-          <a:bodyPr/>
-          <a:lstStyle/>
-          <a:p>
-            <a:endParaRPr lang="en-US"/>
-          </a:p>
-        </p:txBody>
-      </p:sp>
-      <p:pic>
-        <p:nvPicPr>
-          <p:cNvPr id="5" name="Content Placeholder 4" descr="Graphical user interface, text, application, email&#10;&#10;Description automatically generated">
-            <a:extLst>
-              <a:ext uri="{FF2B5EF4-FFF2-40B4-BE49-F238E27FC236}">
-                <a16:creationId xmlns:a16="http://schemas.microsoft.com/office/drawing/2014/main" id="{C91F7396-E831-E8A0-B680-04EFF5F6F1F7}"/>
-              </a:ext>
-            </a:extLst>
-          </p:cNvPr>
-          <p:cNvPicPr>
-            <a:picLocks noGrp="1" noChangeAspect="1"/>
-          </p:cNvPicPr>
-          <p:nvPr>
-            <p:ph idx="1"/>
-          </p:nvPr>
-        </p:nvPicPr>
-        <p:blipFill>
-          <a:blip r:embed="rId2"/>
-          <a:stretch>
-            <a:fillRect/>
-          </a:stretch>
-        </p:blipFill>
-        <p:spPr>
-          <a:xfrm>
-            <a:off x="1624364" y="1825625"/>
-            <a:ext cx="8943271" cy="4351338"/>
-          </a:xfrm>
-        </p:spPr>
-      </p:pic>
-    </p:spTree>
-    <p:extLst>
-      <p:ext uri="{BB962C8B-B14F-4D97-AF65-F5344CB8AC3E}">
-        <p14:creationId xmlns:p14="http://schemas.microsoft.com/office/powerpoint/2010/main" val="1771645144"/>
-      </p:ext>
-    </p:extLst>
-  </p:cSld>
-  <p:clrMapOvr>
-    <a:masterClrMapping/>
-  </p:clrMapOvr>
-</p:sld>
-</file>
-
-<file path=ppt/slides/slide3.xml><?xml version="1.0" encoding="utf-8"?>
-<p:sld xmlns:a="http://schemas.openxmlformats.org/drawingml/2006/main" xmlns:r="http://schemas.openxmlformats.org/officeDocument/2006/relationships" xmlns:p="http://schemas.openxmlformats.org/presentationml/2006/main">
-  <p:cSld>
-    <p:spTree>
-      <p:nvGrpSpPr>
-        <p:cNvPr id="1" name=""/>
-        <p:cNvGrpSpPr/>
-        <p:nvPr/>
-      </p:nvGrpSpPr>
-      <p:grpSpPr>
-        <a:xfrm>
-          <a:off x="0" y="0"/>
-          <a:ext cx="0" cy="0"/>
-          <a:chOff x="0" y="0"/>
-          <a:chExt cx="0" cy="0"/>
-        </a:xfrm>
-      </p:grpSpPr>
-      <p:sp>
-        <p:nvSpPr>
-          <p:cNvPr id="2" name="Title 1">
-            <a:extLst>
-              <a:ext uri="{FF2B5EF4-FFF2-40B4-BE49-F238E27FC236}">
                 <a16:creationId xmlns:a16="http://schemas.microsoft.com/office/drawing/2014/main" id="{029B03B4-FA3D-C899-B6A1-F713925D5C71}"/>
               </a:ext>
             </a:extLst>
@@ -3611,36 +3525,6 @@
           </a:p>
         </p:txBody>
       </p:sp>
-      <p:pic>
-        <p:nvPicPr>
-          <p:cNvPr id="5" name="Picture 4" descr="Graphical user interface, text, application, email&#10;&#10;Description automatically generated">
-            <a:extLst>
-              <a:ext uri="{FF2B5EF4-FFF2-40B4-BE49-F238E27FC236}">
-                <a16:creationId xmlns:a16="http://schemas.microsoft.com/office/drawing/2014/main" id="{A8F9A2D2-9658-4663-B82A-6F8A6D110865}"/>
-              </a:ext>
-            </a:extLst>
-          </p:cNvPr>
-          <p:cNvPicPr>
-            <a:picLocks noChangeAspect="1"/>
-          </p:cNvPicPr>
-          <p:nvPr/>
-        </p:nvPicPr>
-        <p:blipFill>
-          <a:blip r:embed="rId2"/>
-          <a:stretch>
-            <a:fillRect/>
-          </a:stretch>
-        </p:blipFill>
-        <p:spPr>
-          <a:xfrm>
-            <a:off x="552450" y="3314371"/>
-            <a:ext cx="4943889" cy="2997529"/>
-          </a:xfrm>
-          <a:prstGeom prst="rect">
-            <a:avLst/>
-          </a:prstGeom>
-        </p:spPr>
-      </p:pic>
     </p:spTree>
     <p:extLst>
       <p:ext uri="{BB962C8B-B14F-4D97-AF65-F5344CB8AC3E}">
@@ -3654,7 +3538,7 @@
 </p:sld>
 </file>
 
-<file path=ppt/slides/slide4.xml><?xml version="1.0" encoding="utf-8"?>
+<file path=ppt/slides/slide3.xml><?xml version="1.0" encoding="utf-8"?>
 <p:sld xmlns:a="http://schemas.openxmlformats.org/drawingml/2006/main" xmlns:r="http://schemas.openxmlformats.org/officeDocument/2006/relationships" xmlns:p="http://schemas.openxmlformats.org/presentationml/2006/main">
   <p:cSld>
     <p:spTree>
@@ -3742,7 +3626,7 @@
 </p:sld>
 </file>
 
-<file path=ppt/slides/slide5.xml><?xml version="1.0" encoding="utf-8"?>
+<file path=ppt/slides/slide4.xml><?xml version="1.0" encoding="utf-8"?>
 <p:sld xmlns:a="http://schemas.openxmlformats.org/drawingml/2006/main" xmlns:r="http://schemas.openxmlformats.org/officeDocument/2006/relationships" xmlns:p="http://schemas.openxmlformats.org/presentationml/2006/main">
   <p:cSld>
     <p:spTree>
@@ -3854,7 +3738,7 @@
 </p:sld>
 </file>
 
-<file path=ppt/slides/slide6.xml><?xml version="1.0" encoding="utf-8"?>
+<file path=ppt/slides/slide5.xml><?xml version="1.0" encoding="utf-8"?>
 <p:sld xmlns:a="http://schemas.openxmlformats.org/drawingml/2006/main" xmlns:r="http://schemas.openxmlformats.org/officeDocument/2006/relationships" xmlns:p="http://schemas.openxmlformats.org/presentationml/2006/main">
   <p:cSld>
     <p:spTree>
@@ -4106,7 +3990,7 @@
 </p:sld>
 </file>
 
-<file path=ppt/slides/slide7.xml><?xml version="1.0" encoding="utf-8"?>
+<file path=ppt/slides/slide6.xml><?xml version="1.0" encoding="utf-8"?>
 <p:sld xmlns:a="http://schemas.openxmlformats.org/drawingml/2006/main" xmlns:r="http://schemas.openxmlformats.org/officeDocument/2006/relationships" xmlns:p="http://schemas.openxmlformats.org/presentationml/2006/main">
   <p:cSld>
     <p:spTree>
@@ -4397,91 +4281,6 @@
     <p:extLst>
       <p:ext uri="{BB962C8B-B14F-4D97-AF65-F5344CB8AC3E}">
         <p14:creationId xmlns:p14="http://schemas.microsoft.com/office/powerpoint/2010/main" val="1252400008"/>
-      </p:ext>
-    </p:extLst>
-  </p:cSld>
-  <p:clrMapOvr>
-    <a:masterClrMapping/>
-  </p:clrMapOvr>
-</p:sld>
-</file>
-
-<file path=ppt/slides/slide8.xml><?xml version="1.0" encoding="utf-8"?>
-<p:sld xmlns:a="http://schemas.openxmlformats.org/drawingml/2006/main" xmlns:r="http://schemas.openxmlformats.org/officeDocument/2006/relationships" xmlns:p="http://schemas.openxmlformats.org/presentationml/2006/main">
-  <p:cSld>
-    <p:spTree>
-      <p:nvGrpSpPr>
-        <p:cNvPr id="1" name=""/>
-        <p:cNvGrpSpPr/>
-        <p:nvPr/>
-      </p:nvGrpSpPr>
-      <p:grpSpPr>
-        <a:xfrm>
-          <a:off x="0" y="0"/>
-          <a:ext cx="0" cy="0"/>
-          <a:chOff x="0" y="0"/>
-          <a:chExt cx="0" cy="0"/>
-        </a:xfrm>
-      </p:grpSpPr>
-      <p:sp>
-        <p:nvSpPr>
-          <p:cNvPr id="2" name="Title 1">
-            <a:extLst>
-              <a:ext uri="{FF2B5EF4-FFF2-40B4-BE49-F238E27FC236}">
-                <a16:creationId xmlns:a16="http://schemas.microsoft.com/office/drawing/2014/main" id="{50592DA7-F7BA-F297-E6C7-85755CB8991D}"/>
-              </a:ext>
-            </a:extLst>
-          </p:cNvPr>
-          <p:cNvSpPr>
-            <a:spLocks noGrp="1"/>
-          </p:cNvSpPr>
-          <p:nvPr>
-            <p:ph type="title"/>
-          </p:nvPr>
-        </p:nvSpPr>
-        <p:spPr/>
-        <p:txBody>
-          <a:bodyPr/>
-          <a:lstStyle/>
-          <a:p>
-            <a:endParaRPr lang="en-US"/>
-          </a:p>
-        </p:txBody>
-      </p:sp>
-      <p:pic>
-        <p:nvPicPr>
-          <p:cNvPr id="3" name="Picture 2" descr="Graphical user interface&#10;&#10;Description automatically generated">
-            <a:extLst>
-              <a:ext uri="{FF2B5EF4-FFF2-40B4-BE49-F238E27FC236}">
-                <a16:creationId xmlns:a16="http://schemas.microsoft.com/office/drawing/2014/main" id="{F0774566-86DF-71F5-8EED-3B3BCACDC2F7}"/>
-              </a:ext>
-            </a:extLst>
-          </p:cNvPr>
-          <p:cNvPicPr>
-            <a:picLocks noChangeAspect="1"/>
-          </p:cNvPicPr>
-          <p:nvPr/>
-        </p:nvPicPr>
-        <p:blipFill>
-          <a:blip r:embed="rId2"/>
-          <a:stretch>
-            <a:fillRect/>
-          </a:stretch>
-        </p:blipFill>
-        <p:spPr>
-          <a:xfrm>
-            <a:off x="3041650" y="1231900"/>
-            <a:ext cx="6108700" cy="4394200"/>
-          </a:xfrm>
-          <a:prstGeom prst="rect">
-            <a:avLst/>
-          </a:prstGeom>
-        </p:spPr>
-      </p:pic>
-    </p:spTree>
-    <p:extLst>
-      <p:ext uri="{BB962C8B-B14F-4D97-AF65-F5344CB8AC3E}">
-        <p14:creationId xmlns:p14="http://schemas.microsoft.com/office/powerpoint/2010/main" val="50469836"/>
       </p:ext>
     </p:extLst>
   </p:cSld>
